--- a/RuntimeMonitoringTechComparison/Comparison Between Runtime Monitoring Techniques.pptx
+++ b/RuntimeMonitoringTechComparison/Comparison Between Runtime Monitoring Techniques.pptx
@@ -11,16 +11,20 @@
     <p:sldId id="256" r:id="rId5"/>
     <p:sldId id="257" r:id="rId6"/>
     <p:sldId id="258" r:id="rId7"/>
+    <p:sldId id="259" r:id="rId8"/>
+    <p:sldId id="260" r:id="rId9"/>
+    <p:sldId id="261" r:id="rId10"/>
+    <p:sldId id="262" r:id="rId11"/>
   </p:sldIdLst>
   <p:sldSz cy="5143500" cx="9144000"/>
   <p:notesSz cx="6858000" cy="9144000"/>
   <p:embeddedFontLst>
     <p:embeddedFont>
       <p:font typeface="Roboto"/>
-      <p:regular r:id="rId8"/>
-      <p:bold r:id="rId9"/>
-      <p:italic r:id="rId10"/>
-      <p:boldItalic r:id="rId11"/>
+      <p:regular r:id="rId12"/>
+      <p:bold r:id="rId13"/>
+      <p:italic r:id="rId14"/>
+      <p:boldItalic r:id="rId15"/>
     </p:embeddedFont>
   </p:embeddedFontLst>
   <p:defaultTextStyle>
@@ -660,6 +664,426 @@
       <p:sp>
         <p:nvSpPr>
           <p:cNvPr id="78" name="Shape 78"/>
+          <p:cNvSpPr txBox="1"/>
+          <p:nvPr>
+            <p:ph idx="1" type="body"/>
+          </p:nvPr>
+        </p:nvSpPr>
+        <p:spPr>
+          <a:xfrm>
+            <a:off x="685800" y="4343400"/>
+            <a:ext cx="5486399" cy="4114800"/>
+          </a:xfrm>
+          <a:prstGeom prst="rect">
+            <a:avLst/>
+          </a:prstGeom>
+        </p:spPr>
+        <p:txBody>
+          <a:bodyPr anchorCtr="0" anchor="t" bIns="91425" lIns="91425" rIns="91425" tIns="91425">
+            <a:noAutofit/>
+          </a:bodyPr>
+          <a:lstStyle/>
+          <a:p>
+            <a:pPr lvl="0">
+              <a:spcBef>
+                <a:spcPts val="0"/>
+              </a:spcBef>
+              <a:buNone/>
+            </a:pPr>
+            <a:r>
+              <a:t/>
+            </a:r>
+            <a:endParaRPr/>
+          </a:p>
+        </p:txBody>
+      </p:sp>
+    </p:spTree>
+  </p:cSld>
+  <p:clrMapOvr>
+    <a:masterClrMapping/>
+  </p:clrMapOvr>
+</p:notes>
+</file>
+
+<file path=ppt/notesSlides/notesSlide4.xml><?xml version="1.0" encoding="utf-8"?>
+<p:notes xmlns:a="http://schemas.openxmlformats.org/drawingml/2006/main" xmlns:r="http://schemas.openxmlformats.org/officeDocument/2006/relationships" xmlns:mc="http://schemas.openxmlformats.org/markup-compatibility/2006" xmlns:mv="urn:schemas-microsoft-com:mac:vml" xmlns:p="http://schemas.openxmlformats.org/presentationml/2006/main" xmlns:c="http://schemas.openxmlformats.org/drawingml/2006/chart" xmlns:dgm="http://schemas.openxmlformats.org/drawingml/2006/diagram" xmlns:o="urn:schemas-microsoft-com:office:office" xmlns:v="urn:schemas-microsoft-com:vml" xmlns:pvml="urn:schemas-microsoft-com:office:powerpoint" xmlns:com="http://schemas.openxmlformats.org/drawingml/2006/compatibility" xmlns:p14="http://schemas.microsoft.com/office/powerpoint/2010/main" showMasterPhAnim="0" showMasterSp="0">
+  <p:cSld>
+    <p:spTree>
+      <p:nvGrpSpPr>
+        <p:cNvPr id="82" name="Shape 82"/>
+        <p:cNvGrpSpPr/>
+        <p:nvPr/>
+      </p:nvGrpSpPr>
+      <p:grpSpPr>
+        <a:xfrm>
+          <a:off x="0" y="0"/>
+          <a:ext cx="0" cy="0"/>
+          <a:chOff x="0" y="0"/>
+          <a:chExt cx="0" cy="0"/>
+        </a:xfrm>
+      </p:grpSpPr>
+      <p:sp>
+        <p:nvSpPr>
+          <p:cNvPr id="83" name="Shape 83"/>
+          <p:cNvSpPr/>
+          <p:nvPr>
+            <p:ph idx="2" type="sldImg"/>
+          </p:nvPr>
+        </p:nvSpPr>
+        <p:spPr>
+          <a:xfrm>
+            <a:off x="381300" y="685800"/>
+            <a:ext cx="6096000" cy="3429000"/>
+          </a:xfrm>
+          <a:custGeom>
+            <a:pathLst>
+              <a:path extrusionOk="0" h="120000" w="120000">
+                <a:moveTo>
+                  <a:pt x="0" y="0"/>
+                </a:moveTo>
+                <a:lnTo>
+                  <a:pt x="120000" y="0"/>
+                </a:lnTo>
+                <a:lnTo>
+                  <a:pt x="120000" y="120000"/>
+                </a:lnTo>
+                <a:lnTo>
+                  <a:pt x="0" y="120000"/>
+                </a:lnTo>
+                <a:close/>
+              </a:path>
+            </a:pathLst>
+          </a:custGeom>
+          <a:noFill/>
+          <a:ln cap="flat" cmpd="sng" w="9525">
+            <a:solidFill>
+              <a:srgbClr val="000000"/>
+            </a:solidFill>
+            <a:prstDash val="solid"/>
+            <a:round/>
+            <a:headEnd len="med" w="med" type="none"/>
+            <a:tailEnd len="med" w="med" type="none"/>
+          </a:ln>
+        </p:spPr>
+      </p:sp>
+      <p:sp>
+        <p:nvSpPr>
+          <p:cNvPr id="84" name="Shape 84"/>
+          <p:cNvSpPr txBox="1"/>
+          <p:nvPr>
+            <p:ph idx="1" type="body"/>
+          </p:nvPr>
+        </p:nvSpPr>
+        <p:spPr>
+          <a:xfrm>
+            <a:off x="685800" y="4343400"/>
+            <a:ext cx="5486399" cy="4114800"/>
+          </a:xfrm>
+          <a:prstGeom prst="rect">
+            <a:avLst/>
+          </a:prstGeom>
+        </p:spPr>
+        <p:txBody>
+          <a:bodyPr anchorCtr="0" anchor="t" bIns="91425" lIns="91425" rIns="91425" tIns="91425">
+            <a:noAutofit/>
+          </a:bodyPr>
+          <a:lstStyle/>
+          <a:p>
+            <a:pPr lvl="0">
+              <a:spcBef>
+                <a:spcPts val="0"/>
+              </a:spcBef>
+              <a:buNone/>
+            </a:pPr>
+            <a:r>
+              <a:t/>
+            </a:r>
+            <a:endParaRPr/>
+          </a:p>
+        </p:txBody>
+      </p:sp>
+    </p:spTree>
+  </p:cSld>
+  <p:clrMapOvr>
+    <a:masterClrMapping/>
+  </p:clrMapOvr>
+</p:notes>
+</file>
+
+<file path=ppt/notesSlides/notesSlide5.xml><?xml version="1.0" encoding="utf-8"?>
+<p:notes xmlns:a="http://schemas.openxmlformats.org/drawingml/2006/main" xmlns:r="http://schemas.openxmlformats.org/officeDocument/2006/relationships" xmlns:mc="http://schemas.openxmlformats.org/markup-compatibility/2006" xmlns:mv="urn:schemas-microsoft-com:mac:vml" xmlns:p="http://schemas.openxmlformats.org/presentationml/2006/main" xmlns:c="http://schemas.openxmlformats.org/drawingml/2006/chart" xmlns:dgm="http://schemas.openxmlformats.org/drawingml/2006/diagram" xmlns:o="urn:schemas-microsoft-com:office:office" xmlns:v="urn:schemas-microsoft-com:vml" xmlns:pvml="urn:schemas-microsoft-com:office:powerpoint" xmlns:com="http://schemas.openxmlformats.org/drawingml/2006/compatibility" xmlns:p14="http://schemas.microsoft.com/office/powerpoint/2010/main" showMasterPhAnim="0" showMasterSp="0">
+  <p:cSld>
+    <p:spTree>
+      <p:nvGrpSpPr>
+        <p:cNvPr id="88" name="Shape 88"/>
+        <p:cNvGrpSpPr/>
+        <p:nvPr/>
+      </p:nvGrpSpPr>
+      <p:grpSpPr>
+        <a:xfrm>
+          <a:off x="0" y="0"/>
+          <a:ext cx="0" cy="0"/>
+          <a:chOff x="0" y="0"/>
+          <a:chExt cx="0" cy="0"/>
+        </a:xfrm>
+      </p:grpSpPr>
+      <p:sp>
+        <p:nvSpPr>
+          <p:cNvPr id="89" name="Shape 89"/>
+          <p:cNvSpPr/>
+          <p:nvPr>
+            <p:ph idx="2" type="sldImg"/>
+          </p:nvPr>
+        </p:nvSpPr>
+        <p:spPr>
+          <a:xfrm>
+            <a:off x="381300" y="685800"/>
+            <a:ext cx="6096000" cy="3429000"/>
+          </a:xfrm>
+          <a:custGeom>
+            <a:pathLst>
+              <a:path extrusionOk="0" h="120000" w="120000">
+                <a:moveTo>
+                  <a:pt x="0" y="0"/>
+                </a:moveTo>
+                <a:lnTo>
+                  <a:pt x="120000" y="0"/>
+                </a:lnTo>
+                <a:lnTo>
+                  <a:pt x="120000" y="120000"/>
+                </a:lnTo>
+                <a:lnTo>
+                  <a:pt x="0" y="120000"/>
+                </a:lnTo>
+                <a:close/>
+              </a:path>
+            </a:pathLst>
+          </a:custGeom>
+          <a:noFill/>
+          <a:ln cap="flat" cmpd="sng" w="9525">
+            <a:solidFill>
+              <a:srgbClr val="000000"/>
+            </a:solidFill>
+            <a:prstDash val="solid"/>
+            <a:round/>
+            <a:headEnd len="med" w="med" type="none"/>
+            <a:tailEnd len="med" w="med" type="none"/>
+          </a:ln>
+        </p:spPr>
+      </p:sp>
+      <p:sp>
+        <p:nvSpPr>
+          <p:cNvPr id="90" name="Shape 90"/>
+          <p:cNvSpPr txBox="1"/>
+          <p:nvPr>
+            <p:ph idx="1" type="body"/>
+          </p:nvPr>
+        </p:nvSpPr>
+        <p:spPr>
+          <a:xfrm>
+            <a:off x="685800" y="4343400"/>
+            <a:ext cx="5486399" cy="4114800"/>
+          </a:xfrm>
+          <a:prstGeom prst="rect">
+            <a:avLst/>
+          </a:prstGeom>
+        </p:spPr>
+        <p:txBody>
+          <a:bodyPr anchorCtr="0" anchor="t" bIns="91425" lIns="91425" rIns="91425" tIns="91425">
+            <a:noAutofit/>
+          </a:bodyPr>
+          <a:lstStyle/>
+          <a:p>
+            <a:pPr lvl="0">
+              <a:spcBef>
+                <a:spcPts val="0"/>
+              </a:spcBef>
+              <a:buNone/>
+            </a:pPr>
+            <a:r>
+              <a:t/>
+            </a:r>
+            <a:endParaRPr/>
+          </a:p>
+        </p:txBody>
+      </p:sp>
+    </p:spTree>
+  </p:cSld>
+  <p:clrMapOvr>
+    <a:masterClrMapping/>
+  </p:clrMapOvr>
+</p:notes>
+</file>
+
+<file path=ppt/notesSlides/notesSlide6.xml><?xml version="1.0" encoding="utf-8"?>
+<p:notes xmlns:a="http://schemas.openxmlformats.org/drawingml/2006/main" xmlns:r="http://schemas.openxmlformats.org/officeDocument/2006/relationships" xmlns:mc="http://schemas.openxmlformats.org/markup-compatibility/2006" xmlns:mv="urn:schemas-microsoft-com:mac:vml" xmlns:p="http://schemas.openxmlformats.org/presentationml/2006/main" xmlns:c="http://schemas.openxmlformats.org/drawingml/2006/chart" xmlns:dgm="http://schemas.openxmlformats.org/drawingml/2006/diagram" xmlns:o="urn:schemas-microsoft-com:office:office" xmlns:v="urn:schemas-microsoft-com:vml" xmlns:pvml="urn:schemas-microsoft-com:office:powerpoint" xmlns:com="http://schemas.openxmlformats.org/drawingml/2006/compatibility" xmlns:p14="http://schemas.microsoft.com/office/powerpoint/2010/main" showMasterPhAnim="0" showMasterSp="0">
+  <p:cSld>
+    <p:spTree>
+      <p:nvGrpSpPr>
+        <p:cNvPr id="94" name="Shape 94"/>
+        <p:cNvGrpSpPr/>
+        <p:nvPr/>
+      </p:nvGrpSpPr>
+      <p:grpSpPr>
+        <a:xfrm>
+          <a:off x="0" y="0"/>
+          <a:ext cx="0" cy="0"/>
+          <a:chOff x="0" y="0"/>
+          <a:chExt cx="0" cy="0"/>
+        </a:xfrm>
+      </p:grpSpPr>
+      <p:sp>
+        <p:nvSpPr>
+          <p:cNvPr id="95" name="Shape 95"/>
+          <p:cNvSpPr/>
+          <p:nvPr>
+            <p:ph idx="2" type="sldImg"/>
+          </p:nvPr>
+        </p:nvSpPr>
+        <p:spPr>
+          <a:xfrm>
+            <a:off x="381300" y="685800"/>
+            <a:ext cx="6096000" cy="3429000"/>
+          </a:xfrm>
+          <a:custGeom>
+            <a:pathLst>
+              <a:path extrusionOk="0" h="120000" w="120000">
+                <a:moveTo>
+                  <a:pt x="0" y="0"/>
+                </a:moveTo>
+                <a:lnTo>
+                  <a:pt x="120000" y="0"/>
+                </a:lnTo>
+                <a:lnTo>
+                  <a:pt x="120000" y="120000"/>
+                </a:lnTo>
+                <a:lnTo>
+                  <a:pt x="0" y="120000"/>
+                </a:lnTo>
+                <a:close/>
+              </a:path>
+            </a:pathLst>
+          </a:custGeom>
+          <a:noFill/>
+          <a:ln cap="flat" cmpd="sng" w="9525">
+            <a:solidFill>
+              <a:srgbClr val="000000"/>
+            </a:solidFill>
+            <a:prstDash val="solid"/>
+            <a:round/>
+            <a:headEnd len="med" w="med" type="none"/>
+            <a:tailEnd len="med" w="med" type="none"/>
+          </a:ln>
+        </p:spPr>
+      </p:sp>
+      <p:sp>
+        <p:nvSpPr>
+          <p:cNvPr id="96" name="Shape 96"/>
+          <p:cNvSpPr txBox="1"/>
+          <p:nvPr>
+            <p:ph idx="1" type="body"/>
+          </p:nvPr>
+        </p:nvSpPr>
+        <p:spPr>
+          <a:xfrm>
+            <a:off x="685800" y="4343400"/>
+            <a:ext cx="5486399" cy="4114800"/>
+          </a:xfrm>
+          <a:prstGeom prst="rect">
+            <a:avLst/>
+          </a:prstGeom>
+        </p:spPr>
+        <p:txBody>
+          <a:bodyPr anchorCtr="0" anchor="t" bIns="91425" lIns="91425" rIns="91425" tIns="91425">
+            <a:noAutofit/>
+          </a:bodyPr>
+          <a:lstStyle/>
+          <a:p>
+            <a:pPr lvl="0">
+              <a:spcBef>
+                <a:spcPts val="0"/>
+              </a:spcBef>
+              <a:buNone/>
+            </a:pPr>
+            <a:r>
+              <a:t/>
+            </a:r>
+            <a:endParaRPr/>
+          </a:p>
+        </p:txBody>
+      </p:sp>
+    </p:spTree>
+  </p:cSld>
+  <p:clrMapOvr>
+    <a:masterClrMapping/>
+  </p:clrMapOvr>
+</p:notes>
+</file>
+
+<file path=ppt/notesSlides/notesSlide7.xml><?xml version="1.0" encoding="utf-8"?>
+<p:notes xmlns:a="http://schemas.openxmlformats.org/drawingml/2006/main" xmlns:r="http://schemas.openxmlformats.org/officeDocument/2006/relationships" xmlns:mc="http://schemas.openxmlformats.org/markup-compatibility/2006" xmlns:mv="urn:schemas-microsoft-com:mac:vml" xmlns:p="http://schemas.openxmlformats.org/presentationml/2006/main" xmlns:c="http://schemas.openxmlformats.org/drawingml/2006/chart" xmlns:dgm="http://schemas.openxmlformats.org/drawingml/2006/diagram" xmlns:o="urn:schemas-microsoft-com:office:office" xmlns:v="urn:schemas-microsoft-com:vml" xmlns:pvml="urn:schemas-microsoft-com:office:powerpoint" xmlns:com="http://schemas.openxmlformats.org/drawingml/2006/compatibility" xmlns:p14="http://schemas.microsoft.com/office/powerpoint/2010/main" showMasterPhAnim="0" showMasterSp="0">
+  <p:cSld>
+    <p:spTree>
+      <p:nvGrpSpPr>
+        <p:cNvPr id="100" name="Shape 100"/>
+        <p:cNvGrpSpPr/>
+        <p:nvPr/>
+      </p:nvGrpSpPr>
+      <p:grpSpPr>
+        <a:xfrm>
+          <a:off x="0" y="0"/>
+          <a:ext cx="0" cy="0"/>
+          <a:chOff x="0" y="0"/>
+          <a:chExt cx="0" cy="0"/>
+        </a:xfrm>
+      </p:grpSpPr>
+      <p:sp>
+        <p:nvSpPr>
+          <p:cNvPr id="101" name="Shape 101"/>
+          <p:cNvSpPr/>
+          <p:nvPr>
+            <p:ph idx="2" type="sldImg"/>
+          </p:nvPr>
+        </p:nvSpPr>
+        <p:spPr>
+          <a:xfrm>
+            <a:off x="381300" y="685800"/>
+            <a:ext cx="6096000" cy="3429000"/>
+          </a:xfrm>
+          <a:custGeom>
+            <a:pathLst>
+              <a:path extrusionOk="0" h="120000" w="120000">
+                <a:moveTo>
+                  <a:pt x="0" y="0"/>
+                </a:moveTo>
+                <a:lnTo>
+                  <a:pt x="120000" y="0"/>
+                </a:lnTo>
+                <a:lnTo>
+                  <a:pt x="120000" y="120000"/>
+                </a:lnTo>
+                <a:lnTo>
+                  <a:pt x="0" y="120000"/>
+                </a:lnTo>
+                <a:close/>
+              </a:path>
+            </a:pathLst>
+          </a:custGeom>
+          <a:noFill/>
+          <a:ln cap="flat" cmpd="sng" w="9525">
+            <a:solidFill>
+              <a:srgbClr val="000000"/>
+            </a:solidFill>
+            <a:prstDash val="solid"/>
+            <a:round/>
+            <a:headEnd len="med" w="med" type="none"/>
+            <a:tailEnd len="med" w="med" type="none"/>
+          </a:ln>
+        </p:spPr>
+      </p:sp>
+      <p:sp>
+        <p:nvSpPr>
+          <p:cNvPr id="102" name="Shape 102"/>
           <p:cNvSpPr txBox="1"/>
           <p:nvPr>
             <p:ph idx="1" type="body"/>
@@ -5318,6 +5742,618 @@
         </p:nvSpPr>
         <p:spPr>
           <a:xfrm>
+            <a:off x="98250" y="16350"/>
+            <a:ext cx="8826599" cy="602700"/>
+          </a:xfrm>
+          <a:prstGeom prst="rect">
+            <a:avLst/>
+          </a:prstGeom>
+        </p:spPr>
+        <p:txBody>
+          <a:bodyPr anchorCtr="0" anchor="ctr" bIns="91425" lIns="91425" rIns="91425" tIns="91425">
+            <a:noAutofit/>
+          </a:bodyPr>
+          <a:lstStyle/>
+          <a:p>
+            <a:pPr lvl="0">
+              <a:spcBef>
+                <a:spcPts val="0"/>
+              </a:spcBef>
+              <a:buNone/>
+            </a:pPr>
+            <a:r>
+              <a:rPr lang="en-GB"/>
+              <a:t>JavaMOP</a:t>
+            </a:r>
+          </a:p>
+        </p:txBody>
+      </p:sp>
+      <p:sp>
+        <p:nvSpPr>
+          <p:cNvPr id="81" name="Shape 81"/>
+          <p:cNvSpPr txBox="1"/>
+          <p:nvPr/>
+        </p:nvSpPr>
+        <p:spPr>
+          <a:xfrm>
+            <a:off x="130575" y="798000"/>
+            <a:ext cx="8864999" cy="4185900"/>
+          </a:xfrm>
+          <a:prstGeom prst="rect">
+            <a:avLst/>
+          </a:prstGeom>
+          <a:noFill/>
+          <a:ln>
+            <a:noFill/>
+          </a:ln>
+        </p:spPr>
+        <p:txBody>
+          <a:bodyPr anchorCtr="0" anchor="t" bIns="91425" lIns="91425" rIns="91425" tIns="91425">
+            <a:noAutofit/>
+          </a:bodyPr>
+          <a:lstStyle/>
+          <a:p>
+            <a:pPr indent="-342900" lvl="0" marL="457200" rtl="0">
+              <a:spcBef>
+                <a:spcPts val="0"/>
+              </a:spcBef>
+              <a:buSzPct val="100000"/>
+              <a:buChar char="●"/>
+            </a:pPr>
+            <a:r>
+              <a:rPr lang="en-GB" sz="1800"/>
+              <a:t>Efficient parametric trace slicing algorithm which dispatches each parametric event to all the related monitors.</a:t>
+            </a:r>
+          </a:p>
+          <a:p>
+            <a:pPr indent="-228600" lvl="1" marL="914400" rtl="0">
+              <a:spcBef>
+                <a:spcPts val="0"/>
+              </a:spcBef>
+              <a:buChar char="○"/>
+            </a:pPr>
+            <a:r>
+              <a:rPr lang="en-GB"/>
+              <a:t>The trace slicing algorithm extracts all the non-parametric trace slices from a parametric trace, </a:t>
+            </a:r>
+          </a:p>
+          <a:p>
+            <a:pPr indent="0" lvl="0" marL="457200" rtl="0">
+              <a:spcBef>
+                <a:spcPts val="0"/>
+              </a:spcBef>
+              <a:buNone/>
+            </a:pPr>
+            <a:r>
+              <a:rPr lang="en-GB"/>
+              <a:t>	which is the input to the conventional non-parametric trace analysis tool.</a:t>
+            </a:r>
+          </a:p>
+          <a:p>
+            <a:pPr indent="0" lvl="0" marL="457200" rtl="0">
+              <a:spcBef>
+                <a:spcPts val="0"/>
+              </a:spcBef>
+              <a:buNone/>
+            </a:pPr>
+            <a:r>
+              <a:t/>
+            </a:r>
+            <a:endParaRPr/>
+          </a:p>
+          <a:p>
+            <a:pPr indent="0" lvl="0" marL="0" rtl="0">
+              <a:spcBef>
+                <a:spcPts val="0"/>
+              </a:spcBef>
+              <a:buNone/>
+            </a:pPr>
+            <a:r>
+              <a:t/>
+            </a:r>
+            <a:endParaRPr sz="1800"/>
+          </a:p>
+          <a:p>
+            <a:pPr indent="-342900" lvl="0" marL="457200" rtl="0">
+              <a:spcBef>
+                <a:spcPts val="0"/>
+              </a:spcBef>
+              <a:buSzPct val="100000"/>
+              <a:buChar char="●"/>
+            </a:pPr>
+            <a:r>
+              <a:rPr lang="en-GB" sz="1800"/>
+              <a:t>Enable set: avoid the unnecessary monitors to be created.</a:t>
+            </a:r>
+          </a:p>
+          <a:p>
+            <a:pPr lvl="0" rtl="0">
+              <a:spcBef>
+                <a:spcPts val="0"/>
+              </a:spcBef>
+              <a:buNone/>
+            </a:pPr>
+            <a:r>
+              <a:t/>
+            </a:r>
+            <a:endParaRPr/>
+          </a:p>
+          <a:p>
+            <a:pPr lvl="0" rtl="0">
+              <a:spcBef>
+                <a:spcPts val="0"/>
+              </a:spcBef>
+              <a:buNone/>
+            </a:pPr>
+            <a:r>
+              <a:t/>
+            </a:r>
+            <a:endParaRPr/>
+          </a:p>
+          <a:p>
+            <a:pPr indent="-342900" lvl="0" marL="457200" rtl="0">
+              <a:spcBef>
+                <a:spcPts val="0"/>
+              </a:spcBef>
+              <a:buSzPct val="100000"/>
+              <a:buChar char="●"/>
+            </a:pPr>
+            <a:r>
+              <a:rPr lang="en-GB" sz="1800"/>
+              <a:t>Co-enable set: used for efficient garbage collection.</a:t>
+            </a:r>
+          </a:p>
+          <a:p>
+            <a:pPr indent="-228600" lvl="1" marL="914400" rtl="0">
+              <a:spcBef>
+                <a:spcPts val="0"/>
+              </a:spcBef>
+              <a:buChar char="○"/>
+            </a:pPr>
+            <a:r>
+              <a:rPr lang="en-GB"/>
+              <a:t>The monitors that will never be fired again in the future will be marked as garbage collectable, which will be lazily collected later.</a:t>
+            </a:r>
+          </a:p>
+          <a:p>
+            <a:pPr lvl="0" rtl="0">
+              <a:spcBef>
+                <a:spcPts val="0"/>
+              </a:spcBef>
+              <a:buNone/>
+            </a:pPr>
+            <a:r>
+              <a:t/>
+            </a:r>
+            <a:endParaRPr/>
+          </a:p>
+          <a:p>
+            <a:pPr lvl="0" rtl="0">
+              <a:spcBef>
+                <a:spcPts val="0"/>
+              </a:spcBef>
+              <a:buNone/>
+            </a:pPr>
+            <a:r>
+              <a:t/>
+            </a:r>
+            <a:endParaRPr/>
+          </a:p>
+          <a:p>
+            <a:pPr indent="-342900" lvl="0" marL="457200" rtl="0">
+              <a:spcBef>
+                <a:spcPts val="0"/>
+              </a:spcBef>
+              <a:buSzPct val="100000"/>
+              <a:buChar char="●"/>
+            </a:pPr>
+            <a:r>
+              <a:rPr lang="en-GB" sz="1800"/>
+              <a:t>Weak referencing data structures for indexing monitors.</a:t>
+            </a:r>
+          </a:p>
+          <a:p>
+            <a:pPr indent="-342900" lvl="1" marL="914400" rtl="0">
+              <a:spcBef>
+                <a:spcPts val="0"/>
+              </a:spcBef>
+              <a:buChar char="○"/>
+            </a:pPr>
+            <a:r>
+              <a:rPr lang="en-GB"/>
+              <a:t>Weak reference indexing trees will not obstruct the objects in original program from being garbage collected.</a:t>
+            </a:r>
+          </a:p>
+          <a:p>
+            <a:pPr lvl="0" rtl="0">
+              <a:spcBef>
+                <a:spcPts val="0"/>
+              </a:spcBef>
+              <a:buNone/>
+            </a:pPr>
+            <a:r>
+              <a:t/>
+            </a:r>
+            <a:endParaRPr/>
+          </a:p>
+          <a:p>
+            <a:pPr lvl="0" rtl="0">
+              <a:spcBef>
+                <a:spcPts val="0"/>
+              </a:spcBef>
+              <a:buNone/>
+            </a:pPr>
+            <a:r>
+              <a:t/>
+            </a:r>
+            <a:endParaRPr/>
+          </a:p>
+          <a:p>
+            <a:pPr lvl="0" rtl="0">
+              <a:spcBef>
+                <a:spcPts val="0"/>
+              </a:spcBef>
+              <a:buNone/>
+            </a:pPr>
+            <a:r>
+              <a:t/>
+            </a:r>
+            <a:endParaRPr/>
+          </a:p>
+          <a:p>
+            <a:pPr lvl="0">
+              <a:spcBef>
+                <a:spcPts val="0"/>
+              </a:spcBef>
+              <a:buNone/>
+            </a:pPr>
+            <a:r>
+              <a:t/>
+            </a:r>
+            <a:endParaRPr/>
+          </a:p>
+        </p:txBody>
+      </p:sp>
+    </p:spTree>
+  </p:cSld>
+  <p:clrMapOvr>
+    <a:masterClrMapping/>
+  </p:clrMapOvr>
+  <p:transition spd="slow">
+    <p:cut/>
+  </p:transition>
+</p:sld>
+</file>
+
+<file path=ppt/slides/slide4.xml><?xml version="1.0" encoding="utf-8"?>
+<p:sld xmlns:a="http://schemas.openxmlformats.org/drawingml/2006/main" xmlns:r="http://schemas.openxmlformats.org/officeDocument/2006/relationships" xmlns:mc="http://schemas.openxmlformats.org/markup-compatibility/2006" xmlns:mv="urn:schemas-microsoft-com:mac:vml" xmlns:p="http://schemas.openxmlformats.org/presentationml/2006/main" xmlns:c="http://schemas.openxmlformats.org/drawingml/2006/chart" xmlns:dgm="http://schemas.openxmlformats.org/drawingml/2006/diagram" xmlns:o="urn:schemas-microsoft-com:office:office" xmlns:v="urn:schemas-microsoft-com:vml" xmlns:pvml="urn:schemas-microsoft-com:office:powerpoint" xmlns:com="http://schemas.openxmlformats.org/drawingml/2006/compatibility" xmlns:p14="http://schemas.microsoft.com/office/powerpoint/2010/main">
+  <p:cSld>
+    <p:spTree>
+      <p:nvGrpSpPr>
+        <p:cNvPr id="85" name="Shape 85"/>
+        <p:cNvGrpSpPr/>
+        <p:nvPr/>
+      </p:nvGrpSpPr>
+      <p:grpSpPr>
+        <a:xfrm>
+          <a:off x="0" y="0"/>
+          <a:ext cx="0" cy="0"/>
+          <a:chOff x="0" y="0"/>
+          <a:chExt cx="0" cy="0"/>
+        </a:xfrm>
+      </p:grpSpPr>
+      <p:sp>
+        <p:nvSpPr>
+          <p:cNvPr id="86" name="Shape 86"/>
+          <p:cNvSpPr txBox="1"/>
+          <p:nvPr>
+            <p:ph type="title"/>
+          </p:nvPr>
+        </p:nvSpPr>
+        <p:spPr>
+          <a:xfrm>
+            <a:off x="98250" y="16350"/>
+            <a:ext cx="8826599" cy="602700"/>
+          </a:xfrm>
+          <a:prstGeom prst="rect">
+            <a:avLst/>
+          </a:prstGeom>
+        </p:spPr>
+        <p:txBody>
+          <a:bodyPr anchorCtr="0" anchor="ctr" bIns="91425" lIns="91425" rIns="91425" tIns="91425">
+            <a:noAutofit/>
+          </a:bodyPr>
+          <a:lstStyle/>
+          <a:p>
+            <a:pPr lvl="0">
+              <a:spcBef>
+                <a:spcPts val="0"/>
+              </a:spcBef>
+              <a:buNone/>
+            </a:pPr>
+            <a:r>
+              <a:rPr lang="en-GB"/>
+              <a:t>Super Monitor (Monitor Compaction)</a:t>
+            </a:r>
+          </a:p>
+        </p:txBody>
+      </p:sp>
+      <p:sp>
+        <p:nvSpPr>
+          <p:cNvPr id="87" name="Shape 87"/>
+          <p:cNvSpPr txBox="1"/>
+          <p:nvPr/>
+        </p:nvSpPr>
+        <p:spPr>
+          <a:xfrm>
+            <a:off x="123325" y="754475"/>
+            <a:ext cx="8801399" cy="4236599"/>
+          </a:xfrm>
+          <a:prstGeom prst="rect">
+            <a:avLst/>
+          </a:prstGeom>
+          <a:noFill/>
+          <a:ln>
+            <a:noFill/>
+          </a:ln>
+        </p:spPr>
+        <p:txBody>
+          <a:bodyPr anchorCtr="0" anchor="t" bIns="91425" lIns="91425" rIns="91425" tIns="91425">
+            <a:noAutofit/>
+          </a:bodyPr>
+          <a:lstStyle/>
+          <a:p>
+            <a:pPr indent="-342900" lvl="0" marL="457200" rtl="0">
+              <a:spcBef>
+                <a:spcPts val="0"/>
+              </a:spcBef>
+              <a:buSzPct val="100000"/>
+              <a:buChar char="●"/>
+            </a:pPr>
+            <a:r>
+              <a:rPr lang="en-GB" sz="1800"/>
+              <a:t>Standard automaton product techniques</a:t>
+            </a:r>
+          </a:p>
+          <a:p>
+            <a:pPr indent="-228600" lvl="1" marL="914400" rtl="0">
+              <a:spcBef>
+                <a:spcPts val="0"/>
+              </a:spcBef>
+              <a:buChar char="○"/>
+            </a:pPr>
+            <a:r>
+              <a:rPr lang="en-GB"/>
+              <a:t>combine multiple monitors into one super monitor which keeps track of the states of every monitor it combines.</a:t>
+            </a:r>
+          </a:p>
+          <a:p>
+            <a:pPr indent="-228600" lvl="1" marL="914400" rtl="0">
+              <a:spcBef>
+                <a:spcPts val="0"/>
+              </a:spcBef>
+              <a:buChar char="○"/>
+            </a:pPr>
+            <a:r>
+              <a:rPr lang="en-GB"/>
+              <a:t>reduce the number of monitors (save space)</a:t>
+            </a:r>
+          </a:p>
+          <a:p>
+            <a:pPr indent="-228600" lvl="1" marL="914400" rtl="0">
+              <a:spcBef>
+                <a:spcPts val="0"/>
+              </a:spcBef>
+              <a:buChar char="○"/>
+            </a:pPr>
+            <a:r>
+              <a:rPr lang="en-GB"/>
+              <a:t>reduce the overheads of updating monitors (fewer monitors need to be updated)</a:t>
+            </a:r>
+          </a:p>
+          <a:p>
+            <a:pPr lvl="0" rtl="0">
+              <a:spcBef>
+                <a:spcPts val="0"/>
+              </a:spcBef>
+              <a:buNone/>
+            </a:pPr>
+            <a:r>
+              <a:t/>
+            </a:r>
+            <a:endParaRPr/>
+          </a:p>
+          <a:p>
+            <a:pPr lvl="0" rtl="0">
+              <a:spcBef>
+                <a:spcPts val="0"/>
+              </a:spcBef>
+              <a:buNone/>
+            </a:pPr>
+            <a:r>
+              <a:t/>
+            </a:r>
+            <a:endParaRPr/>
+          </a:p>
+          <a:p>
+            <a:pPr indent="-342900" lvl="0" marL="457200" rtl="0">
+              <a:spcBef>
+                <a:spcPts val="0"/>
+              </a:spcBef>
+              <a:buSzPct val="100000"/>
+              <a:buChar char="●"/>
+            </a:pPr>
+            <a:r>
+              <a:rPr lang="en-GB" sz="1800"/>
+              <a:t>Build on top of JavaMOP v2.1</a:t>
+            </a:r>
+          </a:p>
+          <a:p>
+            <a:pPr indent="-228600" lvl="1" marL="914400" rtl="0">
+              <a:spcBef>
+                <a:spcPts val="0"/>
+              </a:spcBef>
+              <a:buChar char="○"/>
+            </a:pPr>
+            <a:r>
+              <a:rPr lang="en-GB"/>
+              <a:t>Not sure whether the latest JavaMOP/RV-Monitor has some hidden optimization that may interfere with the compaction techniques.</a:t>
+            </a:r>
+          </a:p>
+          <a:p>
+            <a:pPr indent="0" lvl="0" marL="457200">
+              <a:spcBef>
+                <a:spcPts val="0"/>
+              </a:spcBef>
+              <a:buNone/>
+            </a:pPr>
+            <a:r>
+              <a:t/>
+            </a:r>
+            <a:endParaRPr/>
+          </a:p>
+        </p:txBody>
+      </p:sp>
+    </p:spTree>
+  </p:cSld>
+  <p:clrMapOvr>
+    <a:masterClrMapping/>
+  </p:clrMapOvr>
+  <p:transition spd="slow">
+    <p:cut/>
+  </p:transition>
+</p:sld>
+</file>
+
+<file path=ppt/slides/slide5.xml><?xml version="1.0" encoding="utf-8"?>
+<p:sld xmlns:a="http://schemas.openxmlformats.org/drawingml/2006/main" xmlns:r="http://schemas.openxmlformats.org/officeDocument/2006/relationships" xmlns:mc="http://schemas.openxmlformats.org/markup-compatibility/2006" xmlns:mv="urn:schemas-microsoft-com:mac:vml" xmlns:p="http://schemas.openxmlformats.org/presentationml/2006/main" xmlns:c="http://schemas.openxmlformats.org/drawingml/2006/chart" xmlns:dgm="http://schemas.openxmlformats.org/drawingml/2006/diagram" xmlns:o="urn:schemas-microsoft-com:office:office" xmlns:v="urn:schemas-microsoft-com:vml" xmlns:pvml="urn:schemas-microsoft-com:office:powerpoint" xmlns:com="http://schemas.openxmlformats.org/drawingml/2006/compatibility" xmlns:p14="http://schemas.microsoft.com/office/powerpoint/2010/main">
+  <p:cSld>
+    <p:spTree>
+      <p:nvGrpSpPr>
+        <p:cNvPr id="91" name="Shape 91"/>
+        <p:cNvGrpSpPr/>
+        <p:nvPr/>
+      </p:nvGrpSpPr>
+      <p:grpSpPr>
+        <a:xfrm>
+          <a:off x="0" y="0"/>
+          <a:ext cx="0" cy="0"/>
+          <a:chOff x="0" y="0"/>
+          <a:chExt cx="0" cy="0"/>
+        </a:xfrm>
+      </p:grpSpPr>
+      <p:sp>
+        <p:nvSpPr>
+          <p:cNvPr id="92" name="Shape 92"/>
+          <p:cNvSpPr txBox="1"/>
+          <p:nvPr>
+            <p:ph type="title"/>
+          </p:nvPr>
+        </p:nvSpPr>
+        <p:spPr>
+          <a:xfrm>
+            <a:off x="98250" y="16350"/>
+            <a:ext cx="8826599" cy="602700"/>
+          </a:xfrm>
+          <a:prstGeom prst="rect">
+            <a:avLst/>
+          </a:prstGeom>
+        </p:spPr>
+        <p:txBody>
+          <a:bodyPr anchorCtr="0" anchor="ctr" bIns="91425" lIns="91425" rIns="91425" tIns="91425">
+            <a:noAutofit/>
+          </a:bodyPr>
+          <a:lstStyle/>
+          <a:p>
+            <a:pPr lvl="0">
+              <a:spcBef>
+                <a:spcPts val="0"/>
+              </a:spcBef>
+              <a:buNone/>
+            </a:pPr>
+            <a:r>
+              <a:rPr lang="en-GB"/>
+              <a:t>Mufin (Union-Find Structures)</a:t>
+            </a:r>
+          </a:p>
+        </p:txBody>
+      </p:sp>
+      <p:sp>
+        <p:nvSpPr>
+          <p:cNvPr id="93" name="Shape 93"/>
+          <p:cNvSpPr txBox="1"/>
+          <p:nvPr/>
+        </p:nvSpPr>
+        <p:spPr>
+          <a:xfrm>
+            <a:off x="123325" y="790750"/>
+            <a:ext cx="8826599" cy="4229400"/>
+          </a:xfrm>
+          <a:prstGeom prst="rect">
+            <a:avLst/>
+          </a:prstGeom>
+          <a:noFill/>
+          <a:ln>
+            <a:noFill/>
+          </a:ln>
+        </p:spPr>
+        <p:txBody>
+          <a:bodyPr anchorCtr="0" anchor="t" bIns="91425" lIns="91425" rIns="91425" tIns="91425">
+            <a:noAutofit/>
+          </a:bodyPr>
+          <a:lstStyle/>
+          <a:p>
+            <a:pPr lvl="0">
+              <a:spcBef>
+                <a:spcPts val="0"/>
+              </a:spcBef>
+              <a:buNone/>
+            </a:pPr>
+            <a:r>
+              <a:t/>
+            </a:r>
+            <a:endParaRPr/>
+          </a:p>
+        </p:txBody>
+      </p:sp>
+    </p:spTree>
+  </p:cSld>
+  <p:clrMapOvr>
+    <a:masterClrMapping/>
+  </p:clrMapOvr>
+  <p:transition spd="slow">
+    <p:cut/>
+  </p:transition>
+</p:sld>
+</file>
+
+<file path=ppt/slides/slide6.xml><?xml version="1.0" encoding="utf-8"?>
+<p:sld xmlns:a="http://schemas.openxmlformats.org/drawingml/2006/main" xmlns:r="http://schemas.openxmlformats.org/officeDocument/2006/relationships" xmlns:mc="http://schemas.openxmlformats.org/markup-compatibility/2006" xmlns:mv="urn:schemas-microsoft-com:mac:vml" xmlns:p="http://schemas.openxmlformats.org/presentationml/2006/main" xmlns:c="http://schemas.openxmlformats.org/drawingml/2006/chart" xmlns:dgm="http://schemas.openxmlformats.org/drawingml/2006/diagram" xmlns:o="urn:schemas-microsoft-com:office:office" xmlns:v="urn:schemas-microsoft-com:vml" xmlns:pvml="urn:schemas-microsoft-com:office:powerpoint" xmlns:com="http://schemas.openxmlformats.org/drawingml/2006/compatibility" xmlns:p14="http://schemas.microsoft.com/office/powerpoint/2010/main">
+  <p:cSld>
+    <p:spTree>
+      <p:nvGrpSpPr>
+        <p:cNvPr id="97" name="Shape 97"/>
+        <p:cNvGrpSpPr/>
+        <p:nvPr/>
+      </p:nvGrpSpPr>
+      <p:grpSpPr>
+        <a:xfrm>
+          <a:off x="0" y="0"/>
+          <a:ext cx="0" cy="0"/>
+          <a:chOff x="0" y="0"/>
+          <a:chExt cx="0" cy="0"/>
+        </a:xfrm>
+      </p:grpSpPr>
+      <p:sp>
+        <p:nvSpPr>
+          <p:cNvPr id="98" name="Shape 98"/>
+          <p:cNvSpPr txBox="1"/>
+          <p:nvPr>
+            <p:ph type="title"/>
+          </p:nvPr>
+        </p:nvSpPr>
+        <p:spPr>
+          <a:xfrm>
             <a:off x="471900" y="738725"/>
             <a:ext cx="8222100" cy="767699"/>
           </a:xfrm>
@@ -5346,7 +6382,7 @@
       </p:sp>
       <p:sp>
         <p:nvSpPr>
-          <p:cNvPr id="81" name="Shape 81"/>
+          <p:cNvPr id="99" name="Shape 99"/>
           <p:cNvSpPr txBox="1"/>
           <p:nvPr>
             <p:ph idx="1" type="body"/>
@@ -5368,17 +6404,23 @@
           <a:lstStyle/>
           <a:p>
             <a:pPr indent="-228600" lvl="0" marL="457200" rtl="0">
+              <a:lnSpc>
+                <a:spcPct val="150000"/>
+              </a:lnSpc>
               <a:spcBef>
                 <a:spcPts val="0"/>
               </a:spcBef>
             </a:pPr>
             <a:r>
               <a:rPr lang="en-GB"/>
-              <a:t>All the three approaches decompose the problem of monitoring parametric trace to two sub-problems: </a:t>
+              <a:t>All the three approaches decompose the problem of monitoring parametric property to two sub-problems: </a:t>
             </a:r>
           </a:p>
           <a:p>
             <a:pPr indent="-228600" lvl="1" marL="914400" rtl="0">
+              <a:lnSpc>
+                <a:spcPct val="150000"/>
+              </a:lnSpc>
               <a:spcBef>
                 <a:spcPts val="0"/>
               </a:spcBef>
@@ -5390,40 +6432,37 @@
           </a:p>
           <a:p>
             <a:pPr indent="-228600" lvl="1" marL="914400" rtl="0">
+              <a:lnSpc>
+                <a:spcPct val="150000"/>
+              </a:lnSpc>
               <a:spcBef>
                 <a:spcPts val="0"/>
               </a:spcBef>
             </a:pPr>
             <a:r>
               <a:rPr lang="en-GB"/>
-              <a:t>Monitoring non-parametric trace </a:t>
-            </a:r>
-          </a:p>
-          <a:p>
-            <a:pPr indent="0" lvl="0" marL="457200" rtl="0">
-              <a:spcBef>
-                <a:spcPts val="0"/>
-              </a:spcBef>
-              <a:buNone/>
-            </a:pPr>
-            <a:r>
-              <a:t/>
-            </a:r>
-            <a:endParaRPr/>
+              <a:t>Monitoring non-parametric property</a:t>
+            </a:r>
           </a:p>
           <a:p>
             <a:pPr indent="-228600" lvl="0" marL="457200" rtl="0">
+              <a:lnSpc>
+                <a:spcPct val="150000"/>
+              </a:lnSpc>
               <a:spcBef>
                 <a:spcPts val="0"/>
               </a:spcBef>
             </a:pPr>
             <a:r>
               <a:rPr lang="en-GB"/>
-              <a:t>Focus on monitor indexing comparison</a:t>
+              <a:t>Focus on comparing monitor indexing mechanism</a:t>
             </a:r>
           </a:p>
           <a:p>
             <a:pPr indent="-228600" lvl="1" marL="914400">
+              <a:lnSpc>
+                <a:spcPct val="150000"/>
+              </a:lnSpc>
               <a:spcBef>
                 <a:spcPts val="0"/>
               </a:spcBef>
@@ -5432,6 +6471,142 @@
               <a:rPr lang="en-GB"/>
               <a:t>Best algorithm for monitoring non-parametric trace can be used by all the three tools.</a:t>
             </a:r>
+          </a:p>
+        </p:txBody>
+      </p:sp>
+    </p:spTree>
+  </p:cSld>
+  <p:clrMapOvr>
+    <a:masterClrMapping/>
+  </p:clrMapOvr>
+  <p:transition spd="slow">
+    <p:cut/>
+  </p:transition>
+</p:sld>
+</file>
+
+<file path=ppt/slides/slide7.xml><?xml version="1.0" encoding="utf-8"?>
+<p:sld xmlns:a="http://schemas.openxmlformats.org/drawingml/2006/main" xmlns:r="http://schemas.openxmlformats.org/officeDocument/2006/relationships" xmlns:mc="http://schemas.openxmlformats.org/markup-compatibility/2006" xmlns:mv="urn:schemas-microsoft-com:mac:vml" xmlns:p="http://schemas.openxmlformats.org/presentationml/2006/main" xmlns:c="http://schemas.openxmlformats.org/drawingml/2006/chart" xmlns:dgm="http://schemas.openxmlformats.org/drawingml/2006/diagram" xmlns:o="urn:schemas-microsoft-com:office:office" xmlns:v="urn:schemas-microsoft-com:vml" xmlns:pvml="urn:schemas-microsoft-com:office:powerpoint" xmlns:com="http://schemas.openxmlformats.org/drawingml/2006/compatibility" xmlns:p14="http://schemas.microsoft.com/office/powerpoint/2010/main">
+  <p:cSld>
+    <p:spTree>
+      <p:nvGrpSpPr>
+        <p:cNvPr id="103" name="Shape 103"/>
+        <p:cNvGrpSpPr/>
+        <p:nvPr/>
+      </p:nvGrpSpPr>
+      <p:grpSpPr>
+        <a:xfrm>
+          <a:off x="0" y="0"/>
+          <a:ext cx="0" cy="0"/>
+          <a:chOff x="0" y="0"/>
+          <a:chExt cx="0" cy="0"/>
+        </a:xfrm>
+      </p:grpSpPr>
+      <p:sp>
+        <p:nvSpPr>
+          <p:cNvPr id="104" name="Shape 104"/>
+          <p:cNvSpPr txBox="1"/>
+          <p:nvPr>
+            <p:ph type="title"/>
+          </p:nvPr>
+        </p:nvSpPr>
+        <p:spPr>
+          <a:xfrm>
+            <a:off x="471900" y="738725"/>
+            <a:ext cx="8222100" cy="767699"/>
+          </a:xfrm>
+          <a:prstGeom prst="rect">
+            <a:avLst/>
+          </a:prstGeom>
+        </p:spPr>
+        <p:txBody>
+          <a:bodyPr anchorCtr="0" anchor="b" bIns="91425" lIns="91425" rIns="91425" tIns="91425">
+            <a:noAutofit/>
+          </a:bodyPr>
+          <a:lstStyle/>
+          <a:p>
+            <a:pPr lvl="0">
+              <a:spcBef>
+                <a:spcPts val="0"/>
+              </a:spcBef>
+              <a:buNone/>
+            </a:pPr>
+            <a:r>
+              <a:t/>
+            </a:r>
+            <a:endParaRPr/>
+          </a:p>
+        </p:txBody>
+      </p:sp>
+      <p:sp>
+        <p:nvSpPr>
+          <p:cNvPr id="105" name="Shape 105"/>
+          <p:cNvSpPr txBox="1"/>
+          <p:nvPr>
+            <p:ph idx="1" type="body"/>
+          </p:nvPr>
+        </p:nvSpPr>
+        <p:spPr>
+          <a:xfrm>
+            <a:off x="471900" y="1919075"/>
+            <a:ext cx="3999899" cy="2710200"/>
+          </a:xfrm>
+          <a:prstGeom prst="rect">
+            <a:avLst/>
+          </a:prstGeom>
+        </p:spPr>
+        <p:txBody>
+          <a:bodyPr anchorCtr="0" anchor="t" bIns="91425" lIns="91425" rIns="91425" tIns="91425">
+            <a:noAutofit/>
+          </a:bodyPr>
+          <a:lstStyle/>
+          <a:p>
+            <a:pPr lvl="0">
+              <a:spcBef>
+                <a:spcPts val="0"/>
+              </a:spcBef>
+              <a:buNone/>
+            </a:pPr>
+            <a:r>
+              <a:t/>
+            </a:r>
+            <a:endParaRPr/>
+          </a:p>
+        </p:txBody>
+      </p:sp>
+      <p:sp>
+        <p:nvSpPr>
+          <p:cNvPr id="106" name="Shape 106"/>
+          <p:cNvSpPr txBox="1"/>
+          <p:nvPr>
+            <p:ph idx="2" type="body"/>
+          </p:nvPr>
+        </p:nvSpPr>
+        <p:spPr>
+          <a:xfrm>
+            <a:off x="4694250" y="1919075"/>
+            <a:ext cx="3999899" cy="2710200"/>
+          </a:xfrm>
+          <a:prstGeom prst="rect">
+            <a:avLst/>
+          </a:prstGeom>
+        </p:spPr>
+        <p:txBody>
+          <a:bodyPr anchorCtr="0" anchor="t" bIns="91425" lIns="91425" rIns="91425" tIns="91425">
+            <a:noAutofit/>
+          </a:bodyPr>
+          <a:lstStyle/>
+          <a:p>
+            <a:pPr lvl="0">
+              <a:spcBef>
+                <a:spcPts val="0"/>
+              </a:spcBef>
+              <a:buNone/>
+            </a:pPr>
+            <a:r>
+              <a:t/>
+            </a:r>
+            <a:endParaRPr/>
           </a:p>
         </p:txBody>
       </p:sp>
